--- a/README_Portfolio_Presentation.pptx
+++ b/README_Portfolio_Presentation.pptx
@@ -6130,11 +6130,14 @@
               <a:rPr lang="en-US" sz="2000" dirty="0">
                 <a:hlinkClick r:id="rId2"/>
               </a:rPr>
-              <a:t>https://github.com/tahsiniqbal98</a:t>
-            </a:r>
-            <a:endParaRPr lang="en-US" dirty="0"/>
-          </a:p>
-          <a:p>
+              <a:t>github.com/tahsiniqbal98/Stock-Trading-Bot-and-Testing</a:t>
+            </a:r>
+            <a:endParaRPr lang="en-US" sz="2000" dirty="0"/>
+          </a:p>
+          <a:p>
+            <a:pPr marL="0" indent="0">
+              <a:buNone/>
+            </a:pPr>
             <a:endParaRPr lang="en-US" dirty="0"/>
           </a:p>
         </p:txBody>
